--- a/results and plots/Non-committing.pptx
+++ b/results and plots/Non-committing.pptx
@@ -11,6 +11,7 @@
     <p:sldId id="259" r:id="rId5"/>
     <p:sldId id="260" r:id="rId6"/>
     <p:sldId id="261" r:id="rId7"/>
+    <p:sldId id="262" r:id="rId8"/>
   </p:sldIdLst>
   <p:sldSz cx="12192000" cy="6858000"/>
   <p:notesSz cx="6858000" cy="9144000"/>
@@ -120,6 +121,7 @@
             <p14:sldId id="259"/>
             <p14:sldId id="260"/>
             <p14:sldId id="261"/>
+            <p14:sldId id="262"/>
           </p14:sldIdLst>
         </p14:section>
       </p14:sectionLst>
@@ -280,7 +282,7 @@
           <a:p>
             <a:fld id="{35F203A7-7380-422C-8BAB-AF14B91F9636}" type="datetimeFigureOut">
               <a:rPr lang="en-DE" smtClean="0"/>
-              <a:t>20/07/2023</a:t>
+              <a:t>08/03/2023</a:t>
             </a:fld>
             <a:endParaRPr lang="en-DE"/>
           </a:p>
@@ -480,7 +482,7 @@
           <a:p>
             <a:fld id="{35F203A7-7380-422C-8BAB-AF14B91F9636}" type="datetimeFigureOut">
               <a:rPr lang="en-DE" smtClean="0"/>
-              <a:t>20/07/2023</a:t>
+              <a:t>08/03/2023</a:t>
             </a:fld>
             <a:endParaRPr lang="en-DE"/>
           </a:p>
@@ -690,7 +692,7 @@
           <a:p>
             <a:fld id="{35F203A7-7380-422C-8BAB-AF14B91F9636}" type="datetimeFigureOut">
               <a:rPr lang="en-DE" smtClean="0"/>
-              <a:t>20/07/2023</a:t>
+              <a:t>08/03/2023</a:t>
             </a:fld>
             <a:endParaRPr lang="en-DE"/>
           </a:p>
@@ -890,7 +892,7 @@
           <a:p>
             <a:fld id="{35F203A7-7380-422C-8BAB-AF14B91F9636}" type="datetimeFigureOut">
               <a:rPr lang="en-DE" smtClean="0"/>
-              <a:t>20/07/2023</a:t>
+              <a:t>08/03/2023</a:t>
             </a:fld>
             <a:endParaRPr lang="en-DE"/>
           </a:p>
@@ -1166,7 +1168,7 @@
           <a:p>
             <a:fld id="{35F203A7-7380-422C-8BAB-AF14B91F9636}" type="datetimeFigureOut">
               <a:rPr lang="en-DE" smtClean="0"/>
-              <a:t>20/07/2023</a:t>
+              <a:t>08/03/2023</a:t>
             </a:fld>
             <a:endParaRPr lang="en-DE"/>
           </a:p>
@@ -1434,7 +1436,7 @@
           <a:p>
             <a:fld id="{35F203A7-7380-422C-8BAB-AF14B91F9636}" type="datetimeFigureOut">
               <a:rPr lang="en-DE" smtClean="0"/>
-              <a:t>20/07/2023</a:t>
+              <a:t>08/03/2023</a:t>
             </a:fld>
             <a:endParaRPr lang="en-DE"/>
           </a:p>
@@ -1849,7 +1851,7 @@
           <a:p>
             <a:fld id="{35F203A7-7380-422C-8BAB-AF14B91F9636}" type="datetimeFigureOut">
               <a:rPr lang="en-DE" smtClean="0"/>
-              <a:t>20/07/2023</a:t>
+              <a:t>08/03/2023</a:t>
             </a:fld>
             <a:endParaRPr lang="en-DE"/>
           </a:p>
@@ -1991,7 +1993,7 @@
           <a:p>
             <a:fld id="{35F203A7-7380-422C-8BAB-AF14B91F9636}" type="datetimeFigureOut">
               <a:rPr lang="en-DE" smtClean="0"/>
-              <a:t>20/07/2023</a:t>
+              <a:t>08/03/2023</a:t>
             </a:fld>
             <a:endParaRPr lang="en-DE"/>
           </a:p>
@@ -2104,7 +2106,7 @@
           <a:p>
             <a:fld id="{35F203A7-7380-422C-8BAB-AF14B91F9636}" type="datetimeFigureOut">
               <a:rPr lang="en-DE" smtClean="0"/>
-              <a:t>20/07/2023</a:t>
+              <a:t>08/03/2023</a:t>
             </a:fld>
             <a:endParaRPr lang="en-DE"/>
           </a:p>
@@ -2417,7 +2419,7 @@
           <a:p>
             <a:fld id="{35F203A7-7380-422C-8BAB-AF14B91F9636}" type="datetimeFigureOut">
               <a:rPr lang="en-DE" smtClean="0"/>
-              <a:t>20/07/2023</a:t>
+              <a:t>08/03/2023</a:t>
             </a:fld>
             <a:endParaRPr lang="en-DE"/>
           </a:p>
@@ -2706,7 +2708,7 @@
           <a:p>
             <a:fld id="{35F203A7-7380-422C-8BAB-AF14B91F9636}" type="datetimeFigureOut">
               <a:rPr lang="en-DE" smtClean="0"/>
-              <a:t>20/07/2023</a:t>
+              <a:t>08/03/2023</a:t>
             </a:fld>
             <a:endParaRPr lang="en-DE"/>
           </a:p>
@@ -2949,7 +2951,7 @@
           <a:p>
             <a:fld id="{35F203A7-7380-422C-8BAB-AF14B91F9636}" type="datetimeFigureOut">
               <a:rPr lang="en-DE" smtClean="0"/>
-              <a:t>20/07/2023</a:t>
+              <a:t>08/03/2023</a:t>
             </a:fld>
             <a:endParaRPr lang="en-DE"/>
           </a:p>
@@ -6787,17 +6789,14 @@
         <p:spPr/>
         <p:txBody>
           <a:bodyPr>
-            <a:normAutofit/>
+            <a:normAutofit fontScale="90000"/>
           </a:bodyPr>
           <a:lstStyle/>
           <a:p>
             <a:r>
               <a:rPr lang="en-US" sz="2000" dirty="0"/>
-              <a:t>Instead of cyclic transitions consider monotonic ones where H-M-E transitions are most probable. This can correspond to improving skill in time that reduces difficulty. The policy patterns are very similar to the cyclic case. Similar mechanism plays out.</a:t>
+              <a:t>Instead of cyclic transitions consider monotonic ones where H-M-E transitions are most probable. This can correspond to improving skill in time that reduces difficulty. The policy patterns are very similar to the cyclic case (with E-H-M-E). Similar mechanism plays out. Why? Here too, there is higher probability of medium going to easy, so no need to start too early in medium (can afford to wait for easy). Only difference is, value of easy is more here because less prob of going to hard</a:t>
             </a:r>
-            <a:br>
-              <a:rPr lang="en-DE" sz="2000" dirty="0"/>
-            </a:br>
             <a:endParaRPr lang="en-DE" sz="2000" dirty="0"/>
           </a:p>
         </p:txBody>
@@ -7489,7 +7488,7 @@
           <p:nvPr>
             <p:extLst>
               <p:ext uri="{D42A27DB-BD31-4B8C-83A1-F6EECF244321}">
-                <p14:modId xmlns:p14="http://schemas.microsoft.com/office/powerpoint/2010/main" val="773885169"/>
+                <p14:modId xmlns:p14="http://schemas.microsoft.com/office/powerpoint/2010/main" val="1788505593"/>
               </p:ext>
             </p:extLst>
           </p:nvPr>
@@ -7814,6 +7813,1440 @@
     <p:extLst>
       <p:ext uri="{BB962C8B-B14F-4D97-AF65-F5344CB8AC3E}">
         <p14:creationId xmlns:p14="http://schemas.microsoft.com/office/powerpoint/2010/main" val="316892747"/>
+      </p:ext>
+    </p:extLst>
+  </p:cSld>
+  <p:clrMapOvr>
+    <a:masterClrMapping/>
+  </p:clrMapOvr>
+</p:sld>
+</file>
+
+<file path=ppt/slides/slide7.xml><?xml version="1.0" encoding="utf-8"?>
+<p:sld xmlns:a="http://schemas.openxmlformats.org/drawingml/2006/main" xmlns:r="http://schemas.openxmlformats.org/officeDocument/2006/relationships" xmlns:p="http://schemas.openxmlformats.org/presentationml/2006/main">
+  <p:cSld>
+    <p:spTree>
+      <p:nvGrpSpPr>
+        <p:cNvPr id="1" name=""/>
+        <p:cNvGrpSpPr/>
+        <p:nvPr/>
+      </p:nvGrpSpPr>
+      <p:grpSpPr>
+        <a:xfrm>
+          <a:off x="0" y="0"/>
+          <a:ext cx="0" cy="0"/>
+          <a:chOff x="0" y="0"/>
+          <a:chExt cx="0" cy="0"/>
+        </a:xfrm>
+      </p:grpSpPr>
+      <p:sp>
+        <p:nvSpPr>
+          <p:cNvPr id="2" name="Title 1">
+            <a:extLst>
+              <a:ext uri="{FF2B5EF4-FFF2-40B4-BE49-F238E27FC236}">
+                <a16:creationId xmlns:a16="http://schemas.microsoft.com/office/drawing/2014/main" id="{2E157D3A-999E-DAA5-7B89-C5358451E23B}"/>
+              </a:ext>
+            </a:extLst>
+          </p:cNvPr>
+          <p:cNvSpPr>
+            <a:spLocks noGrp="1"/>
+          </p:cNvSpPr>
+          <p:nvPr>
+            <p:ph type="title"/>
+          </p:nvPr>
+        </p:nvSpPr>
+        <p:spPr/>
+        <p:txBody>
+          <a:bodyPr>
+            <a:normAutofit fontScale="90000"/>
+          </a:bodyPr>
+          <a:lstStyle/>
+          <a:p>
+            <a:r>
+              <a:rPr lang="en-IN" sz="2500" dirty="0"/>
+              <a:t>Stickier probabilities: earlier, the probability of reaching another state was high(0.6+0.2). What if probabilities are stickier? Similar patterns but start earlier in medium and hard states because lower probability of reaching easy. With efficacy = 1.0, still wait till the end. </a:t>
+            </a:r>
+          </a:p>
+        </p:txBody>
+      </p:sp>
+      <p:pic>
+        <p:nvPicPr>
+          <p:cNvPr id="5" name="Picture 4">
+            <a:extLst>
+              <a:ext uri="{FF2B5EF4-FFF2-40B4-BE49-F238E27FC236}">
+                <a16:creationId xmlns:a16="http://schemas.microsoft.com/office/drawing/2014/main" id="{24FFD7A5-B39E-3CBD-AA29-27364BB544A0}"/>
+              </a:ext>
+            </a:extLst>
+          </p:cNvPr>
+          <p:cNvPicPr>
+            <a:picLocks noChangeAspect="1"/>
+          </p:cNvPicPr>
+          <p:nvPr/>
+        </p:nvPicPr>
+        <p:blipFill>
+          <a:blip r:embed="rId2"/>
+          <a:stretch>
+            <a:fillRect/>
+          </a:stretch>
+        </p:blipFill>
+        <p:spPr>
+          <a:xfrm>
+            <a:off x="2101588" y="2298615"/>
+            <a:ext cx="3177857" cy="1896032"/>
+          </a:xfrm>
+          <a:prstGeom prst="rect">
+            <a:avLst/>
+          </a:prstGeom>
+        </p:spPr>
+      </p:pic>
+      <p:sp>
+        <p:nvSpPr>
+          <p:cNvPr id="6" name="Content Placeholder 2">
+            <a:extLst>
+              <a:ext uri="{FF2B5EF4-FFF2-40B4-BE49-F238E27FC236}">
+                <a16:creationId xmlns:a16="http://schemas.microsoft.com/office/drawing/2014/main" id="{48D25528-0286-E6D0-BFCE-F1CC9970877D}"/>
+              </a:ext>
+            </a:extLst>
+          </p:cNvPr>
+          <p:cNvSpPr txBox="1">
+            <a:spLocks/>
+          </p:cNvSpPr>
+          <p:nvPr/>
+        </p:nvSpPr>
+        <p:spPr>
+          <a:xfrm>
+            <a:off x="3232872" y="2021471"/>
+            <a:ext cx="1258503" cy="252407"/>
+          </a:xfrm>
+          <a:prstGeom prst="rect">
+            <a:avLst/>
+          </a:prstGeom>
+        </p:spPr>
+        <p:txBody>
+          <a:bodyPr vert="horz" lIns="91440" tIns="45720" rIns="91440" bIns="45720" rtlCol="0">
+            <a:normAutofit fontScale="77500" lnSpcReduction="20000"/>
+          </a:bodyPr>
+          <a:lstStyle>
+            <a:lvl1pPr marL="228600" indent="-228600" algn="l" defTabSz="914400" rtl="0" eaLnBrk="1" latinLnBrk="0" hangingPunct="1">
+              <a:lnSpc>
+                <a:spcPct val="90000"/>
+              </a:lnSpc>
+              <a:spcBef>
+                <a:spcPts val="1000"/>
+              </a:spcBef>
+              <a:buFont typeface="Arial" panose="020B0604020202020204" pitchFamily="34" charset="0"/>
+              <a:buChar char="•"/>
+              <a:defRPr sz="2800" kern="1200">
+                <a:solidFill>
+                  <a:schemeClr val="tx1"/>
+                </a:solidFill>
+                <a:latin typeface="+mn-lt"/>
+                <a:ea typeface="+mn-ea"/>
+                <a:cs typeface="+mn-cs"/>
+              </a:defRPr>
+            </a:lvl1pPr>
+            <a:lvl2pPr marL="685800" indent="-228600" algn="l" defTabSz="914400" rtl="0" eaLnBrk="1" latinLnBrk="0" hangingPunct="1">
+              <a:lnSpc>
+                <a:spcPct val="90000"/>
+              </a:lnSpc>
+              <a:spcBef>
+                <a:spcPts val="500"/>
+              </a:spcBef>
+              <a:buFont typeface="Arial" panose="020B0604020202020204" pitchFamily="34" charset="0"/>
+              <a:buChar char="•"/>
+              <a:defRPr sz="2400" kern="1200">
+                <a:solidFill>
+                  <a:schemeClr val="tx1"/>
+                </a:solidFill>
+                <a:latin typeface="+mn-lt"/>
+                <a:ea typeface="+mn-ea"/>
+                <a:cs typeface="+mn-cs"/>
+              </a:defRPr>
+            </a:lvl2pPr>
+            <a:lvl3pPr marL="1143000" indent="-228600" algn="l" defTabSz="914400" rtl="0" eaLnBrk="1" latinLnBrk="0" hangingPunct="1">
+              <a:lnSpc>
+                <a:spcPct val="90000"/>
+              </a:lnSpc>
+              <a:spcBef>
+                <a:spcPts val="500"/>
+              </a:spcBef>
+              <a:buFont typeface="Arial" panose="020B0604020202020204" pitchFamily="34" charset="0"/>
+              <a:buChar char="•"/>
+              <a:defRPr sz="2000" kern="1200">
+                <a:solidFill>
+                  <a:schemeClr val="tx1"/>
+                </a:solidFill>
+                <a:latin typeface="+mn-lt"/>
+                <a:ea typeface="+mn-ea"/>
+                <a:cs typeface="+mn-cs"/>
+              </a:defRPr>
+            </a:lvl3pPr>
+            <a:lvl4pPr marL="1600200" indent="-228600" algn="l" defTabSz="914400" rtl="0" eaLnBrk="1" latinLnBrk="0" hangingPunct="1">
+              <a:lnSpc>
+                <a:spcPct val="90000"/>
+              </a:lnSpc>
+              <a:spcBef>
+                <a:spcPts val="500"/>
+              </a:spcBef>
+              <a:buFont typeface="Arial" panose="020B0604020202020204" pitchFamily="34" charset="0"/>
+              <a:buChar char="•"/>
+              <a:defRPr sz="1800" kern="1200">
+                <a:solidFill>
+                  <a:schemeClr val="tx1"/>
+                </a:solidFill>
+                <a:latin typeface="+mn-lt"/>
+                <a:ea typeface="+mn-ea"/>
+                <a:cs typeface="+mn-cs"/>
+              </a:defRPr>
+            </a:lvl4pPr>
+            <a:lvl5pPr marL="2057400" indent="-228600" algn="l" defTabSz="914400" rtl="0" eaLnBrk="1" latinLnBrk="0" hangingPunct="1">
+              <a:lnSpc>
+                <a:spcPct val="90000"/>
+              </a:lnSpc>
+              <a:spcBef>
+                <a:spcPts val="500"/>
+              </a:spcBef>
+              <a:buFont typeface="Arial" panose="020B0604020202020204" pitchFamily="34" charset="0"/>
+              <a:buChar char="•"/>
+              <a:defRPr sz="1800" kern="1200">
+                <a:solidFill>
+                  <a:schemeClr val="tx1"/>
+                </a:solidFill>
+                <a:latin typeface="+mn-lt"/>
+                <a:ea typeface="+mn-ea"/>
+                <a:cs typeface="+mn-cs"/>
+              </a:defRPr>
+            </a:lvl5pPr>
+            <a:lvl6pPr marL="2514600" indent="-228600" algn="l" defTabSz="914400" rtl="0" eaLnBrk="1" latinLnBrk="0" hangingPunct="1">
+              <a:lnSpc>
+                <a:spcPct val="90000"/>
+              </a:lnSpc>
+              <a:spcBef>
+                <a:spcPts val="500"/>
+              </a:spcBef>
+              <a:buFont typeface="Arial" panose="020B0604020202020204" pitchFamily="34" charset="0"/>
+              <a:buChar char="•"/>
+              <a:defRPr sz="1800" kern="1200">
+                <a:solidFill>
+                  <a:schemeClr val="tx1"/>
+                </a:solidFill>
+                <a:latin typeface="+mn-lt"/>
+                <a:ea typeface="+mn-ea"/>
+                <a:cs typeface="+mn-cs"/>
+              </a:defRPr>
+            </a:lvl6pPr>
+            <a:lvl7pPr marL="2971800" indent="-228600" algn="l" defTabSz="914400" rtl="0" eaLnBrk="1" latinLnBrk="0" hangingPunct="1">
+              <a:lnSpc>
+                <a:spcPct val="90000"/>
+              </a:lnSpc>
+              <a:spcBef>
+                <a:spcPts val="500"/>
+              </a:spcBef>
+              <a:buFont typeface="Arial" panose="020B0604020202020204" pitchFamily="34" charset="0"/>
+              <a:buChar char="•"/>
+              <a:defRPr sz="1800" kern="1200">
+                <a:solidFill>
+                  <a:schemeClr val="tx1"/>
+                </a:solidFill>
+                <a:latin typeface="+mn-lt"/>
+                <a:ea typeface="+mn-ea"/>
+                <a:cs typeface="+mn-cs"/>
+              </a:defRPr>
+            </a:lvl7pPr>
+            <a:lvl8pPr marL="3429000" indent="-228600" algn="l" defTabSz="914400" rtl="0" eaLnBrk="1" latinLnBrk="0" hangingPunct="1">
+              <a:lnSpc>
+                <a:spcPct val="90000"/>
+              </a:lnSpc>
+              <a:spcBef>
+                <a:spcPts val="500"/>
+              </a:spcBef>
+              <a:buFont typeface="Arial" panose="020B0604020202020204" pitchFamily="34" charset="0"/>
+              <a:buChar char="•"/>
+              <a:defRPr sz="1800" kern="1200">
+                <a:solidFill>
+                  <a:schemeClr val="tx1"/>
+                </a:solidFill>
+                <a:latin typeface="+mn-lt"/>
+                <a:ea typeface="+mn-ea"/>
+                <a:cs typeface="+mn-cs"/>
+              </a:defRPr>
+            </a:lvl8pPr>
+            <a:lvl9pPr marL="3886200" indent="-228600" algn="l" defTabSz="914400" rtl="0" eaLnBrk="1" latinLnBrk="0" hangingPunct="1">
+              <a:lnSpc>
+                <a:spcPct val="90000"/>
+              </a:lnSpc>
+              <a:spcBef>
+                <a:spcPts val="500"/>
+              </a:spcBef>
+              <a:buFont typeface="Arial" panose="020B0604020202020204" pitchFamily="34" charset="0"/>
+              <a:buChar char="•"/>
+              <a:defRPr sz="1800" kern="1200">
+                <a:solidFill>
+                  <a:schemeClr val="tx1"/>
+                </a:solidFill>
+                <a:latin typeface="+mn-lt"/>
+                <a:ea typeface="+mn-ea"/>
+                <a:cs typeface="+mn-cs"/>
+              </a:defRPr>
+            </a:lvl9pPr>
+          </a:lstStyle>
+          <a:p>
+            <a:pPr marL="0" indent="0">
+              <a:buFont typeface="Arial" panose="020B0604020202020204" pitchFamily="34" charset="0"/>
+              <a:buNone/>
+            </a:pPr>
+            <a:r>
+              <a:rPr lang="en-US" sz="1800" dirty="0"/>
+              <a:t>Efficacy = 0.7: </a:t>
+            </a:r>
+            <a:endParaRPr lang="en-DE" sz="1800" dirty="0"/>
+          </a:p>
+        </p:txBody>
+      </p:sp>
+      <p:graphicFrame>
+        <p:nvGraphicFramePr>
+          <p:cNvPr id="8" name="Table 7">
+            <a:extLst>
+              <a:ext uri="{FF2B5EF4-FFF2-40B4-BE49-F238E27FC236}">
+                <a16:creationId xmlns:a16="http://schemas.microsoft.com/office/drawing/2014/main" id="{C699C316-E949-2FF1-D9FF-C52C733053A1}"/>
+              </a:ext>
+            </a:extLst>
+          </p:cNvPr>
+          <p:cNvGraphicFramePr>
+            <a:graphicFrameLocks noGrp="1"/>
+          </p:cNvGraphicFramePr>
+          <p:nvPr>
+            <p:extLst>
+              <p:ext uri="{D42A27DB-BD31-4B8C-83A1-F6EECF244321}">
+                <p14:modId xmlns:p14="http://schemas.microsoft.com/office/powerpoint/2010/main" val="2987611974"/>
+              </p:ext>
+            </p:extLst>
+          </p:nvPr>
+        </p:nvGraphicFramePr>
+        <p:xfrm>
+          <a:off x="328462" y="4565584"/>
+          <a:ext cx="1828800" cy="1545712"/>
+        </p:xfrm>
+        <a:graphic>
+          <a:graphicData uri="http://schemas.openxmlformats.org/drawingml/2006/table">
+            <a:tbl>
+              <a:tblPr firstRow="1" bandRow="1">
+                <a:tableStyleId>{5C22544A-7EE6-4342-B048-85BDC9FD1C3A}</a:tableStyleId>
+              </a:tblPr>
+              <a:tblGrid>
+                <a:gridCol w="457200">
+                  <a:extLst>
+                    <a:ext uri="{9D8B030D-6E8A-4147-A177-3AD203B41FA5}">
+                      <a16:colId xmlns:a16="http://schemas.microsoft.com/office/drawing/2014/main" val="536768046"/>
+                    </a:ext>
+                  </a:extLst>
+                </a:gridCol>
+                <a:gridCol w="457200">
+                  <a:extLst>
+                    <a:ext uri="{9D8B030D-6E8A-4147-A177-3AD203B41FA5}">
+                      <a16:colId xmlns:a16="http://schemas.microsoft.com/office/drawing/2014/main" val="1595232702"/>
+                    </a:ext>
+                  </a:extLst>
+                </a:gridCol>
+                <a:gridCol w="457200">
+                  <a:extLst>
+                    <a:ext uri="{9D8B030D-6E8A-4147-A177-3AD203B41FA5}">
+                      <a16:colId xmlns:a16="http://schemas.microsoft.com/office/drawing/2014/main" val="2336143221"/>
+                    </a:ext>
+                  </a:extLst>
+                </a:gridCol>
+                <a:gridCol w="457200">
+                  <a:extLst>
+                    <a:ext uri="{9D8B030D-6E8A-4147-A177-3AD203B41FA5}">
+                      <a16:colId xmlns:a16="http://schemas.microsoft.com/office/drawing/2014/main" val="3328254405"/>
+                    </a:ext>
+                  </a:extLst>
+                </a:gridCol>
+              </a:tblGrid>
+              <a:tr h="415960">
+                <a:tc>
+                  <a:txBody>
+                    <a:bodyPr/>
+                    <a:lstStyle/>
+                    <a:p>
+                      <a:r>
+                        <a:rPr lang="en-US" sz="1000" dirty="0"/>
+                        <a:t>P(s_t,s_t+1)</a:t>
+                      </a:r>
+                      <a:endParaRPr lang="en-DE" sz="1000" dirty="0"/>
+                    </a:p>
+                  </a:txBody>
+                  <a:tcPr/>
+                </a:tc>
+                <a:tc>
+                  <a:txBody>
+                    <a:bodyPr/>
+                    <a:lstStyle/>
+                    <a:p>
+                      <a:r>
+                        <a:rPr lang="en-US" sz="1000" dirty="0"/>
+                        <a:t>easy</a:t>
+                      </a:r>
+                      <a:endParaRPr lang="en-DE" sz="1000" dirty="0"/>
+                    </a:p>
+                  </a:txBody>
+                  <a:tcPr/>
+                </a:tc>
+                <a:tc>
+                  <a:txBody>
+                    <a:bodyPr/>
+                    <a:lstStyle/>
+                    <a:p>
+                      <a:r>
+                        <a:rPr lang="en-US" sz="1000" dirty="0"/>
+                        <a:t>med.</a:t>
+                      </a:r>
+                      <a:endParaRPr lang="en-DE" sz="1000" dirty="0"/>
+                    </a:p>
+                  </a:txBody>
+                  <a:tcPr/>
+                </a:tc>
+                <a:tc>
+                  <a:txBody>
+                    <a:bodyPr/>
+                    <a:lstStyle/>
+                    <a:p>
+                      <a:r>
+                        <a:rPr lang="en-US" sz="1000" dirty="0"/>
+                        <a:t>hard</a:t>
+                      </a:r>
+                      <a:endParaRPr lang="en-DE" sz="1000" dirty="0"/>
+                    </a:p>
+                  </a:txBody>
+                  <a:tcPr/>
+                </a:tc>
+                <a:extLst>
+                  <a:ext uri="{0D108BD9-81ED-4DB2-BD59-A6C34878D82A}">
+                    <a16:rowId xmlns:a16="http://schemas.microsoft.com/office/drawing/2014/main" val="2283790630"/>
+                  </a:ext>
+                </a:extLst>
+              </a:tr>
+              <a:tr h="300416">
+                <a:tc>
+                  <a:txBody>
+                    <a:bodyPr/>
+                    <a:lstStyle/>
+                    <a:p>
+                      <a:pPr marL="0" marR="0" lvl="0" indent="0" algn="l" defTabSz="914400" rtl="0" eaLnBrk="1" fontAlgn="auto" latinLnBrk="0" hangingPunct="1">
+                        <a:lnSpc>
+                          <a:spcPct val="100000"/>
+                        </a:lnSpc>
+                        <a:spcBef>
+                          <a:spcPts val="0"/>
+                        </a:spcBef>
+                        <a:spcAft>
+                          <a:spcPts val="0"/>
+                        </a:spcAft>
+                        <a:buClrTx/>
+                        <a:buSzTx/>
+                        <a:buFontTx/>
+                        <a:buNone/>
+                        <a:tabLst/>
+                        <a:defRPr/>
+                      </a:pPr>
+                      <a:r>
+                        <a:rPr lang="en-US" sz="1000" dirty="0"/>
+                        <a:t>easy</a:t>
+                      </a:r>
+                      <a:endParaRPr lang="en-DE" sz="1000" dirty="0"/>
+                    </a:p>
+                    <a:p>
+                      <a:endParaRPr lang="en-DE" sz="1000" dirty="0"/>
+                    </a:p>
+                  </a:txBody>
+                  <a:tcPr/>
+                </a:tc>
+                <a:tc>
+                  <a:txBody>
+                    <a:bodyPr/>
+                    <a:lstStyle/>
+                    <a:p>
+                      <a:r>
+                        <a:rPr lang="en-US" sz="1000" dirty="0"/>
+                        <a:t>0.7</a:t>
+                      </a:r>
+                      <a:endParaRPr lang="en-DE" sz="1000" dirty="0"/>
+                    </a:p>
+                  </a:txBody>
+                  <a:tcPr/>
+                </a:tc>
+                <a:tc>
+                  <a:txBody>
+                    <a:bodyPr/>
+                    <a:lstStyle/>
+                    <a:p>
+                      <a:r>
+                        <a:rPr lang="en-US" sz="1000" dirty="0"/>
+                        <a:t>0.1</a:t>
+                      </a:r>
+                      <a:endParaRPr lang="en-DE" sz="1000" dirty="0"/>
+                    </a:p>
+                  </a:txBody>
+                  <a:tcPr/>
+                </a:tc>
+                <a:tc>
+                  <a:txBody>
+                    <a:bodyPr/>
+                    <a:lstStyle/>
+                    <a:p>
+                      <a:r>
+                        <a:rPr lang="en-US" sz="1000" dirty="0"/>
+                        <a:t>0.2</a:t>
+                      </a:r>
+                      <a:endParaRPr lang="en-DE" sz="1000" dirty="0"/>
+                    </a:p>
+                  </a:txBody>
+                  <a:tcPr/>
+                </a:tc>
+                <a:extLst>
+                  <a:ext uri="{0D108BD9-81ED-4DB2-BD59-A6C34878D82A}">
+                    <a16:rowId xmlns:a16="http://schemas.microsoft.com/office/drawing/2014/main" val="1409959417"/>
+                  </a:ext>
+                </a:extLst>
+              </a:tr>
+              <a:tr h="300416">
+                <a:tc>
+                  <a:txBody>
+                    <a:bodyPr/>
+                    <a:lstStyle/>
+                    <a:p>
+                      <a:r>
+                        <a:rPr lang="en-US" sz="1000" dirty="0"/>
+                        <a:t>med.</a:t>
+                      </a:r>
+                      <a:endParaRPr lang="en-DE" sz="1000" dirty="0"/>
+                    </a:p>
+                  </a:txBody>
+                  <a:tcPr/>
+                </a:tc>
+                <a:tc>
+                  <a:txBody>
+                    <a:bodyPr/>
+                    <a:lstStyle/>
+                    <a:p>
+                      <a:r>
+                        <a:rPr lang="en-US" sz="1000" dirty="0"/>
+                        <a:t>0.2</a:t>
+                      </a:r>
+                      <a:endParaRPr lang="en-DE" sz="1000" dirty="0"/>
+                    </a:p>
+                  </a:txBody>
+                  <a:tcPr/>
+                </a:tc>
+                <a:tc>
+                  <a:txBody>
+                    <a:bodyPr/>
+                    <a:lstStyle/>
+                    <a:p>
+                      <a:r>
+                        <a:rPr lang="en-US" sz="1000" dirty="0"/>
+                        <a:t>0.7</a:t>
+                      </a:r>
+                      <a:endParaRPr lang="en-DE" sz="1000" dirty="0"/>
+                    </a:p>
+                  </a:txBody>
+                  <a:tcPr/>
+                </a:tc>
+                <a:tc>
+                  <a:txBody>
+                    <a:bodyPr/>
+                    <a:lstStyle/>
+                    <a:p>
+                      <a:r>
+                        <a:rPr lang="en-US" sz="1000" dirty="0"/>
+                        <a:t>0.1</a:t>
+                      </a:r>
+                      <a:endParaRPr lang="en-DE" sz="1000" dirty="0"/>
+                    </a:p>
+                  </a:txBody>
+                  <a:tcPr/>
+                </a:tc>
+                <a:extLst>
+                  <a:ext uri="{0D108BD9-81ED-4DB2-BD59-A6C34878D82A}">
+                    <a16:rowId xmlns:a16="http://schemas.microsoft.com/office/drawing/2014/main" val="1358428316"/>
+                  </a:ext>
+                </a:extLst>
+              </a:tr>
+              <a:tr h="300416">
+                <a:tc>
+                  <a:txBody>
+                    <a:bodyPr/>
+                    <a:lstStyle/>
+                    <a:p>
+                      <a:r>
+                        <a:rPr lang="en-US" sz="1000" dirty="0"/>
+                        <a:t>hard</a:t>
+                      </a:r>
+                      <a:endParaRPr lang="en-DE" sz="1000" dirty="0"/>
+                    </a:p>
+                  </a:txBody>
+                  <a:tcPr/>
+                </a:tc>
+                <a:tc>
+                  <a:txBody>
+                    <a:bodyPr/>
+                    <a:lstStyle/>
+                    <a:p>
+                      <a:r>
+                        <a:rPr lang="en-US" sz="1000" dirty="0"/>
+                        <a:t>0.1</a:t>
+                      </a:r>
+                      <a:endParaRPr lang="en-DE" sz="1000" dirty="0"/>
+                    </a:p>
+                  </a:txBody>
+                  <a:tcPr/>
+                </a:tc>
+                <a:tc>
+                  <a:txBody>
+                    <a:bodyPr/>
+                    <a:lstStyle/>
+                    <a:p>
+                      <a:r>
+                        <a:rPr lang="en-US" sz="1000" dirty="0"/>
+                        <a:t>0.2</a:t>
+                      </a:r>
+                      <a:endParaRPr lang="en-DE" sz="1000" dirty="0"/>
+                    </a:p>
+                  </a:txBody>
+                  <a:tcPr/>
+                </a:tc>
+                <a:tc>
+                  <a:txBody>
+                    <a:bodyPr/>
+                    <a:lstStyle/>
+                    <a:p>
+                      <a:r>
+                        <a:rPr lang="en-US" sz="1000" dirty="0"/>
+                        <a:t>0.7</a:t>
+                      </a:r>
+                      <a:endParaRPr lang="en-DE" sz="1000" dirty="0"/>
+                    </a:p>
+                  </a:txBody>
+                  <a:tcPr/>
+                </a:tc>
+                <a:extLst>
+                  <a:ext uri="{0D108BD9-81ED-4DB2-BD59-A6C34878D82A}">
+                    <a16:rowId xmlns:a16="http://schemas.microsoft.com/office/drawing/2014/main" val="2141495889"/>
+                  </a:ext>
+                </a:extLst>
+              </a:tr>
+            </a:tbl>
+          </a:graphicData>
+        </a:graphic>
+      </p:graphicFrame>
+      <p:pic>
+        <p:nvPicPr>
+          <p:cNvPr id="12" name="Picture 11">
+            <a:extLst>
+              <a:ext uri="{FF2B5EF4-FFF2-40B4-BE49-F238E27FC236}">
+                <a16:creationId xmlns:a16="http://schemas.microsoft.com/office/drawing/2014/main" id="{8025B37D-C398-FDE3-2C42-4EBE30B282FA}"/>
+              </a:ext>
+            </a:extLst>
+          </p:cNvPr>
+          <p:cNvPicPr>
+            <a:picLocks noChangeAspect="1"/>
+          </p:cNvPicPr>
+          <p:nvPr/>
+        </p:nvPicPr>
+        <p:blipFill>
+          <a:blip r:embed="rId3"/>
+          <a:stretch>
+            <a:fillRect/>
+          </a:stretch>
+        </p:blipFill>
+        <p:spPr>
+          <a:xfrm>
+            <a:off x="2298916" y="4565584"/>
+            <a:ext cx="2980529" cy="1778299"/>
+          </a:xfrm>
+          <a:prstGeom prst="rect">
+            <a:avLst/>
+          </a:prstGeom>
+        </p:spPr>
+      </p:pic>
+      <p:sp>
+        <p:nvSpPr>
+          <p:cNvPr id="13" name="Content Placeholder 2">
+            <a:extLst>
+              <a:ext uri="{FF2B5EF4-FFF2-40B4-BE49-F238E27FC236}">
+                <a16:creationId xmlns:a16="http://schemas.microsoft.com/office/drawing/2014/main" id="{2CC04407-C9B7-4ADA-5E2B-E809D594E2FC}"/>
+              </a:ext>
+            </a:extLst>
+          </p:cNvPr>
+          <p:cNvSpPr txBox="1">
+            <a:spLocks/>
+          </p:cNvSpPr>
+          <p:nvPr/>
+        </p:nvSpPr>
+        <p:spPr>
+          <a:xfrm>
+            <a:off x="3232872" y="4276372"/>
+            <a:ext cx="1258503" cy="252407"/>
+          </a:xfrm>
+          <a:prstGeom prst="rect">
+            <a:avLst/>
+          </a:prstGeom>
+        </p:spPr>
+        <p:txBody>
+          <a:bodyPr vert="horz" lIns="91440" tIns="45720" rIns="91440" bIns="45720" rtlCol="0">
+            <a:normAutofit fontScale="77500" lnSpcReduction="20000"/>
+          </a:bodyPr>
+          <a:lstStyle>
+            <a:lvl1pPr marL="228600" indent="-228600" algn="l" defTabSz="914400" rtl="0" eaLnBrk="1" latinLnBrk="0" hangingPunct="1">
+              <a:lnSpc>
+                <a:spcPct val="90000"/>
+              </a:lnSpc>
+              <a:spcBef>
+                <a:spcPts val="1000"/>
+              </a:spcBef>
+              <a:buFont typeface="Arial" panose="020B0604020202020204" pitchFamily="34" charset="0"/>
+              <a:buChar char="•"/>
+              <a:defRPr sz="2800" kern="1200">
+                <a:solidFill>
+                  <a:schemeClr val="tx1"/>
+                </a:solidFill>
+                <a:latin typeface="+mn-lt"/>
+                <a:ea typeface="+mn-ea"/>
+                <a:cs typeface="+mn-cs"/>
+              </a:defRPr>
+            </a:lvl1pPr>
+            <a:lvl2pPr marL="685800" indent="-228600" algn="l" defTabSz="914400" rtl="0" eaLnBrk="1" latinLnBrk="0" hangingPunct="1">
+              <a:lnSpc>
+                <a:spcPct val="90000"/>
+              </a:lnSpc>
+              <a:spcBef>
+                <a:spcPts val="500"/>
+              </a:spcBef>
+              <a:buFont typeface="Arial" panose="020B0604020202020204" pitchFamily="34" charset="0"/>
+              <a:buChar char="•"/>
+              <a:defRPr sz="2400" kern="1200">
+                <a:solidFill>
+                  <a:schemeClr val="tx1"/>
+                </a:solidFill>
+                <a:latin typeface="+mn-lt"/>
+                <a:ea typeface="+mn-ea"/>
+                <a:cs typeface="+mn-cs"/>
+              </a:defRPr>
+            </a:lvl2pPr>
+            <a:lvl3pPr marL="1143000" indent="-228600" algn="l" defTabSz="914400" rtl="0" eaLnBrk="1" latinLnBrk="0" hangingPunct="1">
+              <a:lnSpc>
+                <a:spcPct val="90000"/>
+              </a:lnSpc>
+              <a:spcBef>
+                <a:spcPts val="500"/>
+              </a:spcBef>
+              <a:buFont typeface="Arial" panose="020B0604020202020204" pitchFamily="34" charset="0"/>
+              <a:buChar char="•"/>
+              <a:defRPr sz="2000" kern="1200">
+                <a:solidFill>
+                  <a:schemeClr val="tx1"/>
+                </a:solidFill>
+                <a:latin typeface="+mn-lt"/>
+                <a:ea typeface="+mn-ea"/>
+                <a:cs typeface="+mn-cs"/>
+              </a:defRPr>
+            </a:lvl3pPr>
+            <a:lvl4pPr marL="1600200" indent="-228600" algn="l" defTabSz="914400" rtl="0" eaLnBrk="1" latinLnBrk="0" hangingPunct="1">
+              <a:lnSpc>
+                <a:spcPct val="90000"/>
+              </a:lnSpc>
+              <a:spcBef>
+                <a:spcPts val="500"/>
+              </a:spcBef>
+              <a:buFont typeface="Arial" panose="020B0604020202020204" pitchFamily="34" charset="0"/>
+              <a:buChar char="•"/>
+              <a:defRPr sz="1800" kern="1200">
+                <a:solidFill>
+                  <a:schemeClr val="tx1"/>
+                </a:solidFill>
+                <a:latin typeface="+mn-lt"/>
+                <a:ea typeface="+mn-ea"/>
+                <a:cs typeface="+mn-cs"/>
+              </a:defRPr>
+            </a:lvl4pPr>
+            <a:lvl5pPr marL="2057400" indent="-228600" algn="l" defTabSz="914400" rtl="0" eaLnBrk="1" latinLnBrk="0" hangingPunct="1">
+              <a:lnSpc>
+                <a:spcPct val="90000"/>
+              </a:lnSpc>
+              <a:spcBef>
+                <a:spcPts val="500"/>
+              </a:spcBef>
+              <a:buFont typeface="Arial" panose="020B0604020202020204" pitchFamily="34" charset="0"/>
+              <a:buChar char="•"/>
+              <a:defRPr sz="1800" kern="1200">
+                <a:solidFill>
+                  <a:schemeClr val="tx1"/>
+                </a:solidFill>
+                <a:latin typeface="+mn-lt"/>
+                <a:ea typeface="+mn-ea"/>
+                <a:cs typeface="+mn-cs"/>
+              </a:defRPr>
+            </a:lvl5pPr>
+            <a:lvl6pPr marL="2514600" indent="-228600" algn="l" defTabSz="914400" rtl="0" eaLnBrk="1" latinLnBrk="0" hangingPunct="1">
+              <a:lnSpc>
+                <a:spcPct val="90000"/>
+              </a:lnSpc>
+              <a:spcBef>
+                <a:spcPts val="500"/>
+              </a:spcBef>
+              <a:buFont typeface="Arial" panose="020B0604020202020204" pitchFamily="34" charset="0"/>
+              <a:buChar char="•"/>
+              <a:defRPr sz="1800" kern="1200">
+                <a:solidFill>
+                  <a:schemeClr val="tx1"/>
+                </a:solidFill>
+                <a:latin typeface="+mn-lt"/>
+                <a:ea typeface="+mn-ea"/>
+                <a:cs typeface="+mn-cs"/>
+              </a:defRPr>
+            </a:lvl6pPr>
+            <a:lvl7pPr marL="2971800" indent="-228600" algn="l" defTabSz="914400" rtl="0" eaLnBrk="1" latinLnBrk="0" hangingPunct="1">
+              <a:lnSpc>
+                <a:spcPct val="90000"/>
+              </a:lnSpc>
+              <a:spcBef>
+                <a:spcPts val="500"/>
+              </a:spcBef>
+              <a:buFont typeface="Arial" panose="020B0604020202020204" pitchFamily="34" charset="0"/>
+              <a:buChar char="•"/>
+              <a:defRPr sz="1800" kern="1200">
+                <a:solidFill>
+                  <a:schemeClr val="tx1"/>
+                </a:solidFill>
+                <a:latin typeface="+mn-lt"/>
+                <a:ea typeface="+mn-ea"/>
+                <a:cs typeface="+mn-cs"/>
+              </a:defRPr>
+            </a:lvl7pPr>
+            <a:lvl8pPr marL="3429000" indent="-228600" algn="l" defTabSz="914400" rtl="0" eaLnBrk="1" latinLnBrk="0" hangingPunct="1">
+              <a:lnSpc>
+                <a:spcPct val="90000"/>
+              </a:lnSpc>
+              <a:spcBef>
+                <a:spcPts val="500"/>
+              </a:spcBef>
+              <a:buFont typeface="Arial" panose="020B0604020202020204" pitchFamily="34" charset="0"/>
+              <a:buChar char="•"/>
+              <a:defRPr sz="1800" kern="1200">
+                <a:solidFill>
+                  <a:schemeClr val="tx1"/>
+                </a:solidFill>
+                <a:latin typeface="+mn-lt"/>
+                <a:ea typeface="+mn-ea"/>
+                <a:cs typeface="+mn-cs"/>
+              </a:defRPr>
+            </a:lvl8pPr>
+            <a:lvl9pPr marL="3886200" indent="-228600" algn="l" defTabSz="914400" rtl="0" eaLnBrk="1" latinLnBrk="0" hangingPunct="1">
+              <a:lnSpc>
+                <a:spcPct val="90000"/>
+              </a:lnSpc>
+              <a:spcBef>
+                <a:spcPts val="500"/>
+              </a:spcBef>
+              <a:buFont typeface="Arial" panose="020B0604020202020204" pitchFamily="34" charset="0"/>
+              <a:buChar char="•"/>
+              <a:defRPr sz="1800" kern="1200">
+                <a:solidFill>
+                  <a:schemeClr val="tx1"/>
+                </a:solidFill>
+                <a:latin typeface="+mn-lt"/>
+                <a:ea typeface="+mn-ea"/>
+                <a:cs typeface="+mn-cs"/>
+              </a:defRPr>
+            </a:lvl9pPr>
+          </a:lstStyle>
+          <a:p>
+            <a:pPr marL="0" indent="0">
+              <a:buFont typeface="Arial" panose="020B0604020202020204" pitchFamily="34" charset="0"/>
+              <a:buNone/>
+            </a:pPr>
+            <a:r>
+              <a:rPr lang="en-US" sz="1800" dirty="0"/>
+              <a:t>Efficacy = 1.0: </a:t>
+            </a:r>
+            <a:endParaRPr lang="en-DE" sz="1800" dirty="0"/>
+          </a:p>
+        </p:txBody>
+      </p:sp>
+      <p:pic>
+        <p:nvPicPr>
+          <p:cNvPr id="15" name="Picture 14">
+            <a:extLst>
+              <a:ext uri="{FF2B5EF4-FFF2-40B4-BE49-F238E27FC236}">
+                <a16:creationId xmlns:a16="http://schemas.microsoft.com/office/drawing/2014/main" id="{2A2E9CCE-CDE5-01A1-ABCB-78D0558977F2}"/>
+              </a:ext>
+            </a:extLst>
+          </p:cNvPr>
+          <p:cNvPicPr>
+            <a:picLocks noChangeAspect="1"/>
+          </p:cNvPicPr>
+          <p:nvPr/>
+        </p:nvPicPr>
+        <p:blipFill>
+          <a:blip r:embed="rId2"/>
+          <a:stretch>
+            <a:fillRect/>
+          </a:stretch>
+        </p:blipFill>
+        <p:spPr>
+          <a:xfrm>
+            <a:off x="7409930" y="4194647"/>
+            <a:ext cx="3620621" cy="2160203"/>
+          </a:xfrm>
+          <a:prstGeom prst="rect">
+            <a:avLst/>
+          </a:prstGeom>
+        </p:spPr>
+      </p:pic>
+      <p:sp>
+        <p:nvSpPr>
+          <p:cNvPr id="16" name="Content Placeholder 2">
+            <a:extLst>
+              <a:ext uri="{FF2B5EF4-FFF2-40B4-BE49-F238E27FC236}">
+                <a16:creationId xmlns:a16="http://schemas.microsoft.com/office/drawing/2014/main" id="{ACE6766A-2E84-C7D4-3CE4-FE1149B09A46}"/>
+              </a:ext>
+            </a:extLst>
+          </p:cNvPr>
+          <p:cNvSpPr txBox="1">
+            <a:spLocks/>
+          </p:cNvSpPr>
+          <p:nvPr/>
+        </p:nvSpPr>
+        <p:spPr>
+          <a:xfrm>
+            <a:off x="8831909" y="3936981"/>
+            <a:ext cx="1258503" cy="252407"/>
+          </a:xfrm>
+          <a:prstGeom prst="rect">
+            <a:avLst/>
+          </a:prstGeom>
+        </p:spPr>
+        <p:txBody>
+          <a:bodyPr vert="horz" lIns="91440" tIns="45720" rIns="91440" bIns="45720" rtlCol="0">
+            <a:normAutofit fontScale="77500" lnSpcReduction="20000"/>
+          </a:bodyPr>
+          <a:lstStyle>
+            <a:lvl1pPr marL="228600" indent="-228600" algn="l" defTabSz="914400" rtl="0" eaLnBrk="1" latinLnBrk="0" hangingPunct="1">
+              <a:lnSpc>
+                <a:spcPct val="90000"/>
+              </a:lnSpc>
+              <a:spcBef>
+                <a:spcPts val="1000"/>
+              </a:spcBef>
+              <a:buFont typeface="Arial" panose="020B0604020202020204" pitchFamily="34" charset="0"/>
+              <a:buChar char="•"/>
+              <a:defRPr sz="2800" kern="1200">
+                <a:solidFill>
+                  <a:schemeClr val="tx1"/>
+                </a:solidFill>
+                <a:latin typeface="+mn-lt"/>
+                <a:ea typeface="+mn-ea"/>
+                <a:cs typeface="+mn-cs"/>
+              </a:defRPr>
+            </a:lvl1pPr>
+            <a:lvl2pPr marL="685800" indent="-228600" algn="l" defTabSz="914400" rtl="0" eaLnBrk="1" latinLnBrk="0" hangingPunct="1">
+              <a:lnSpc>
+                <a:spcPct val="90000"/>
+              </a:lnSpc>
+              <a:spcBef>
+                <a:spcPts val="500"/>
+              </a:spcBef>
+              <a:buFont typeface="Arial" panose="020B0604020202020204" pitchFamily="34" charset="0"/>
+              <a:buChar char="•"/>
+              <a:defRPr sz="2400" kern="1200">
+                <a:solidFill>
+                  <a:schemeClr val="tx1"/>
+                </a:solidFill>
+                <a:latin typeface="+mn-lt"/>
+                <a:ea typeface="+mn-ea"/>
+                <a:cs typeface="+mn-cs"/>
+              </a:defRPr>
+            </a:lvl2pPr>
+            <a:lvl3pPr marL="1143000" indent="-228600" algn="l" defTabSz="914400" rtl="0" eaLnBrk="1" latinLnBrk="0" hangingPunct="1">
+              <a:lnSpc>
+                <a:spcPct val="90000"/>
+              </a:lnSpc>
+              <a:spcBef>
+                <a:spcPts val="500"/>
+              </a:spcBef>
+              <a:buFont typeface="Arial" panose="020B0604020202020204" pitchFamily="34" charset="0"/>
+              <a:buChar char="•"/>
+              <a:defRPr sz="2000" kern="1200">
+                <a:solidFill>
+                  <a:schemeClr val="tx1"/>
+                </a:solidFill>
+                <a:latin typeface="+mn-lt"/>
+                <a:ea typeface="+mn-ea"/>
+                <a:cs typeface="+mn-cs"/>
+              </a:defRPr>
+            </a:lvl3pPr>
+            <a:lvl4pPr marL="1600200" indent="-228600" algn="l" defTabSz="914400" rtl="0" eaLnBrk="1" latinLnBrk="0" hangingPunct="1">
+              <a:lnSpc>
+                <a:spcPct val="90000"/>
+              </a:lnSpc>
+              <a:spcBef>
+                <a:spcPts val="500"/>
+              </a:spcBef>
+              <a:buFont typeface="Arial" panose="020B0604020202020204" pitchFamily="34" charset="0"/>
+              <a:buChar char="•"/>
+              <a:defRPr sz="1800" kern="1200">
+                <a:solidFill>
+                  <a:schemeClr val="tx1"/>
+                </a:solidFill>
+                <a:latin typeface="+mn-lt"/>
+                <a:ea typeface="+mn-ea"/>
+                <a:cs typeface="+mn-cs"/>
+              </a:defRPr>
+            </a:lvl4pPr>
+            <a:lvl5pPr marL="2057400" indent="-228600" algn="l" defTabSz="914400" rtl="0" eaLnBrk="1" latinLnBrk="0" hangingPunct="1">
+              <a:lnSpc>
+                <a:spcPct val="90000"/>
+              </a:lnSpc>
+              <a:spcBef>
+                <a:spcPts val="500"/>
+              </a:spcBef>
+              <a:buFont typeface="Arial" panose="020B0604020202020204" pitchFamily="34" charset="0"/>
+              <a:buChar char="•"/>
+              <a:defRPr sz="1800" kern="1200">
+                <a:solidFill>
+                  <a:schemeClr val="tx1"/>
+                </a:solidFill>
+                <a:latin typeface="+mn-lt"/>
+                <a:ea typeface="+mn-ea"/>
+                <a:cs typeface="+mn-cs"/>
+              </a:defRPr>
+            </a:lvl5pPr>
+            <a:lvl6pPr marL="2514600" indent="-228600" algn="l" defTabSz="914400" rtl="0" eaLnBrk="1" latinLnBrk="0" hangingPunct="1">
+              <a:lnSpc>
+                <a:spcPct val="90000"/>
+              </a:lnSpc>
+              <a:spcBef>
+                <a:spcPts val="500"/>
+              </a:spcBef>
+              <a:buFont typeface="Arial" panose="020B0604020202020204" pitchFamily="34" charset="0"/>
+              <a:buChar char="•"/>
+              <a:defRPr sz="1800" kern="1200">
+                <a:solidFill>
+                  <a:schemeClr val="tx1"/>
+                </a:solidFill>
+                <a:latin typeface="+mn-lt"/>
+                <a:ea typeface="+mn-ea"/>
+                <a:cs typeface="+mn-cs"/>
+              </a:defRPr>
+            </a:lvl6pPr>
+            <a:lvl7pPr marL="2971800" indent="-228600" algn="l" defTabSz="914400" rtl="0" eaLnBrk="1" latinLnBrk="0" hangingPunct="1">
+              <a:lnSpc>
+                <a:spcPct val="90000"/>
+              </a:lnSpc>
+              <a:spcBef>
+                <a:spcPts val="500"/>
+              </a:spcBef>
+              <a:buFont typeface="Arial" panose="020B0604020202020204" pitchFamily="34" charset="0"/>
+              <a:buChar char="•"/>
+              <a:defRPr sz="1800" kern="1200">
+                <a:solidFill>
+                  <a:schemeClr val="tx1"/>
+                </a:solidFill>
+                <a:latin typeface="+mn-lt"/>
+                <a:ea typeface="+mn-ea"/>
+                <a:cs typeface="+mn-cs"/>
+              </a:defRPr>
+            </a:lvl7pPr>
+            <a:lvl8pPr marL="3429000" indent="-228600" algn="l" defTabSz="914400" rtl="0" eaLnBrk="1" latinLnBrk="0" hangingPunct="1">
+              <a:lnSpc>
+                <a:spcPct val="90000"/>
+              </a:lnSpc>
+              <a:spcBef>
+                <a:spcPts val="500"/>
+              </a:spcBef>
+              <a:buFont typeface="Arial" panose="020B0604020202020204" pitchFamily="34" charset="0"/>
+              <a:buChar char="•"/>
+              <a:defRPr sz="1800" kern="1200">
+                <a:solidFill>
+                  <a:schemeClr val="tx1"/>
+                </a:solidFill>
+                <a:latin typeface="+mn-lt"/>
+                <a:ea typeface="+mn-ea"/>
+                <a:cs typeface="+mn-cs"/>
+              </a:defRPr>
+            </a:lvl8pPr>
+            <a:lvl9pPr marL="3886200" indent="-228600" algn="l" defTabSz="914400" rtl="0" eaLnBrk="1" latinLnBrk="0" hangingPunct="1">
+              <a:lnSpc>
+                <a:spcPct val="90000"/>
+              </a:lnSpc>
+              <a:spcBef>
+                <a:spcPts val="500"/>
+              </a:spcBef>
+              <a:buFont typeface="Arial" panose="020B0604020202020204" pitchFamily="34" charset="0"/>
+              <a:buChar char="•"/>
+              <a:defRPr sz="1800" kern="1200">
+                <a:solidFill>
+                  <a:schemeClr val="tx1"/>
+                </a:solidFill>
+                <a:latin typeface="+mn-lt"/>
+                <a:ea typeface="+mn-ea"/>
+                <a:cs typeface="+mn-cs"/>
+              </a:defRPr>
+            </a:lvl9pPr>
+          </a:lstStyle>
+          <a:p>
+            <a:pPr marL="0" indent="0">
+              <a:buFont typeface="Arial" panose="020B0604020202020204" pitchFamily="34" charset="0"/>
+              <a:buNone/>
+            </a:pPr>
+            <a:r>
+              <a:rPr lang="en-US" sz="1800" dirty="0"/>
+              <a:t>Efficacy = 0.7: </a:t>
+            </a:r>
+            <a:endParaRPr lang="en-DE" sz="1800" dirty="0"/>
+          </a:p>
+        </p:txBody>
+      </p:sp>
+      <p:graphicFrame>
+        <p:nvGraphicFramePr>
+          <p:cNvPr id="17" name="Table 16">
+            <a:extLst>
+              <a:ext uri="{FF2B5EF4-FFF2-40B4-BE49-F238E27FC236}">
+                <a16:creationId xmlns:a16="http://schemas.microsoft.com/office/drawing/2014/main" id="{E8DFF851-A1A0-4B05-021B-AA6828163E72}"/>
+              </a:ext>
+            </a:extLst>
+          </p:cNvPr>
+          <p:cNvGraphicFramePr>
+            <a:graphicFrameLocks noGrp="1"/>
+          </p:cNvGraphicFramePr>
+          <p:nvPr>
+            <p:extLst>
+              <p:ext uri="{D42A27DB-BD31-4B8C-83A1-F6EECF244321}">
+                <p14:modId xmlns:p14="http://schemas.microsoft.com/office/powerpoint/2010/main" val="4240863725"/>
+              </p:ext>
+            </p:extLst>
+          </p:nvPr>
+        </p:nvGraphicFramePr>
+        <p:xfrm>
+          <a:off x="8546760" y="2006604"/>
+          <a:ext cx="1828800" cy="1545712"/>
+        </p:xfrm>
+        <a:graphic>
+          <a:graphicData uri="http://schemas.openxmlformats.org/drawingml/2006/table">
+            <a:tbl>
+              <a:tblPr firstRow="1" bandRow="1">
+                <a:tableStyleId>{5C22544A-7EE6-4342-B048-85BDC9FD1C3A}</a:tableStyleId>
+              </a:tblPr>
+              <a:tblGrid>
+                <a:gridCol w="457200">
+                  <a:extLst>
+                    <a:ext uri="{9D8B030D-6E8A-4147-A177-3AD203B41FA5}">
+                      <a16:colId xmlns:a16="http://schemas.microsoft.com/office/drawing/2014/main" val="536768046"/>
+                    </a:ext>
+                  </a:extLst>
+                </a:gridCol>
+                <a:gridCol w="457200">
+                  <a:extLst>
+                    <a:ext uri="{9D8B030D-6E8A-4147-A177-3AD203B41FA5}">
+                      <a16:colId xmlns:a16="http://schemas.microsoft.com/office/drawing/2014/main" val="1595232702"/>
+                    </a:ext>
+                  </a:extLst>
+                </a:gridCol>
+                <a:gridCol w="457200">
+                  <a:extLst>
+                    <a:ext uri="{9D8B030D-6E8A-4147-A177-3AD203B41FA5}">
+                      <a16:colId xmlns:a16="http://schemas.microsoft.com/office/drawing/2014/main" val="2336143221"/>
+                    </a:ext>
+                  </a:extLst>
+                </a:gridCol>
+                <a:gridCol w="457200">
+                  <a:extLst>
+                    <a:ext uri="{9D8B030D-6E8A-4147-A177-3AD203B41FA5}">
+                      <a16:colId xmlns:a16="http://schemas.microsoft.com/office/drawing/2014/main" val="3328254405"/>
+                    </a:ext>
+                  </a:extLst>
+                </a:gridCol>
+              </a:tblGrid>
+              <a:tr h="415960">
+                <a:tc>
+                  <a:txBody>
+                    <a:bodyPr/>
+                    <a:lstStyle/>
+                    <a:p>
+                      <a:r>
+                        <a:rPr lang="en-US" sz="1000" dirty="0"/>
+                        <a:t>P(s_t,s_t+1)</a:t>
+                      </a:r>
+                      <a:endParaRPr lang="en-DE" sz="1000" dirty="0"/>
+                    </a:p>
+                  </a:txBody>
+                  <a:tcPr/>
+                </a:tc>
+                <a:tc>
+                  <a:txBody>
+                    <a:bodyPr/>
+                    <a:lstStyle/>
+                    <a:p>
+                      <a:r>
+                        <a:rPr lang="en-US" sz="1000" dirty="0"/>
+                        <a:t>easy</a:t>
+                      </a:r>
+                      <a:endParaRPr lang="en-DE" sz="1000" dirty="0"/>
+                    </a:p>
+                  </a:txBody>
+                  <a:tcPr/>
+                </a:tc>
+                <a:tc>
+                  <a:txBody>
+                    <a:bodyPr/>
+                    <a:lstStyle/>
+                    <a:p>
+                      <a:r>
+                        <a:rPr lang="en-US" sz="1000" dirty="0"/>
+                        <a:t>med.</a:t>
+                      </a:r>
+                      <a:endParaRPr lang="en-DE" sz="1000" dirty="0"/>
+                    </a:p>
+                  </a:txBody>
+                  <a:tcPr/>
+                </a:tc>
+                <a:tc>
+                  <a:txBody>
+                    <a:bodyPr/>
+                    <a:lstStyle/>
+                    <a:p>
+                      <a:r>
+                        <a:rPr lang="en-US" sz="1000" dirty="0"/>
+                        <a:t>hard</a:t>
+                      </a:r>
+                      <a:endParaRPr lang="en-DE" sz="1000" dirty="0"/>
+                    </a:p>
+                  </a:txBody>
+                  <a:tcPr/>
+                </a:tc>
+                <a:extLst>
+                  <a:ext uri="{0D108BD9-81ED-4DB2-BD59-A6C34878D82A}">
+                    <a16:rowId xmlns:a16="http://schemas.microsoft.com/office/drawing/2014/main" val="2283790630"/>
+                  </a:ext>
+                </a:extLst>
+              </a:tr>
+              <a:tr h="300416">
+                <a:tc>
+                  <a:txBody>
+                    <a:bodyPr/>
+                    <a:lstStyle/>
+                    <a:p>
+                      <a:pPr marL="0" marR="0" lvl="0" indent="0" algn="l" defTabSz="914400" rtl="0" eaLnBrk="1" fontAlgn="auto" latinLnBrk="0" hangingPunct="1">
+                        <a:lnSpc>
+                          <a:spcPct val="100000"/>
+                        </a:lnSpc>
+                        <a:spcBef>
+                          <a:spcPts val="0"/>
+                        </a:spcBef>
+                        <a:spcAft>
+                          <a:spcPts val="0"/>
+                        </a:spcAft>
+                        <a:buClrTx/>
+                        <a:buSzTx/>
+                        <a:buFontTx/>
+                        <a:buNone/>
+                        <a:tabLst/>
+                        <a:defRPr/>
+                      </a:pPr>
+                      <a:r>
+                        <a:rPr lang="en-US" sz="1000" dirty="0"/>
+                        <a:t>easy</a:t>
+                      </a:r>
+                      <a:endParaRPr lang="en-DE" sz="1000" dirty="0"/>
+                    </a:p>
+                    <a:p>
+                      <a:endParaRPr lang="en-DE" sz="1000" dirty="0"/>
+                    </a:p>
+                  </a:txBody>
+                  <a:tcPr/>
+                </a:tc>
+                <a:tc>
+                  <a:txBody>
+                    <a:bodyPr/>
+                    <a:lstStyle/>
+                    <a:p>
+                      <a:r>
+                        <a:rPr lang="en-US" sz="1000" dirty="0"/>
+                        <a:t>0.8</a:t>
+                      </a:r>
+                      <a:endParaRPr lang="en-DE" sz="1000" dirty="0"/>
+                    </a:p>
+                  </a:txBody>
+                  <a:tcPr/>
+                </a:tc>
+                <a:tc>
+                  <a:txBody>
+                    <a:bodyPr/>
+                    <a:lstStyle/>
+                    <a:p>
+                      <a:r>
+                        <a:rPr lang="en-US" sz="1000" dirty="0"/>
+                        <a:t>0.1</a:t>
+                      </a:r>
+                      <a:endParaRPr lang="en-DE" sz="1000" dirty="0"/>
+                    </a:p>
+                  </a:txBody>
+                  <a:tcPr/>
+                </a:tc>
+                <a:tc>
+                  <a:txBody>
+                    <a:bodyPr/>
+                    <a:lstStyle/>
+                    <a:p>
+                      <a:r>
+                        <a:rPr lang="en-US" sz="1000" dirty="0"/>
+                        <a:t>0.1</a:t>
+                      </a:r>
+                      <a:endParaRPr lang="en-DE" sz="1000" dirty="0"/>
+                    </a:p>
+                  </a:txBody>
+                  <a:tcPr/>
+                </a:tc>
+                <a:extLst>
+                  <a:ext uri="{0D108BD9-81ED-4DB2-BD59-A6C34878D82A}">
+                    <a16:rowId xmlns:a16="http://schemas.microsoft.com/office/drawing/2014/main" val="1409959417"/>
+                  </a:ext>
+                </a:extLst>
+              </a:tr>
+              <a:tr h="300416">
+                <a:tc>
+                  <a:txBody>
+                    <a:bodyPr/>
+                    <a:lstStyle/>
+                    <a:p>
+                      <a:r>
+                        <a:rPr lang="en-US" sz="1000" dirty="0"/>
+                        <a:t>med.</a:t>
+                      </a:r>
+                      <a:endParaRPr lang="en-DE" sz="1000" dirty="0"/>
+                    </a:p>
+                  </a:txBody>
+                  <a:tcPr/>
+                </a:tc>
+                <a:tc>
+                  <a:txBody>
+                    <a:bodyPr/>
+                    <a:lstStyle/>
+                    <a:p>
+                      <a:r>
+                        <a:rPr lang="en-US" sz="1000" dirty="0"/>
+                        <a:t>0.2</a:t>
+                      </a:r>
+                      <a:endParaRPr lang="en-DE" sz="1000" dirty="0"/>
+                    </a:p>
+                  </a:txBody>
+                  <a:tcPr/>
+                </a:tc>
+                <a:tc>
+                  <a:txBody>
+                    <a:bodyPr/>
+                    <a:lstStyle/>
+                    <a:p>
+                      <a:r>
+                        <a:rPr lang="en-US" sz="1000" dirty="0"/>
+                        <a:t>0.7</a:t>
+                      </a:r>
+                      <a:endParaRPr lang="en-DE" sz="1000" dirty="0"/>
+                    </a:p>
+                  </a:txBody>
+                  <a:tcPr/>
+                </a:tc>
+                <a:tc>
+                  <a:txBody>
+                    <a:bodyPr/>
+                    <a:lstStyle/>
+                    <a:p>
+                      <a:r>
+                        <a:rPr lang="en-US" sz="1000" dirty="0"/>
+                        <a:t>0.1</a:t>
+                      </a:r>
+                      <a:endParaRPr lang="en-DE" sz="1000" dirty="0"/>
+                    </a:p>
+                  </a:txBody>
+                  <a:tcPr/>
+                </a:tc>
+                <a:extLst>
+                  <a:ext uri="{0D108BD9-81ED-4DB2-BD59-A6C34878D82A}">
+                    <a16:rowId xmlns:a16="http://schemas.microsoft.com/office/drawing/2014/main" val="1358428316"/>
+                  </a:ext>
+                </a:extLst>
+              </a:tr>
+              <a:tr h="300416">
+                <a:tc>
+                  <a:txBody>
+                    <a:bodyPr/>
+                    <a:lstStyle/>
+                    <a:p>
+                      <a:r>
+                        <a:rPr lang="en-US" sz="1000" dirty="0"/>
+                        <a:t>hard</a:t>
+                      </a:r>
+                      <a:endParaRPr lang="en-DE" sz="1000" dirty="0"/>
+                    </a:p>
+                  </a:txBody>
+                  <a:tcPr/>
+                </a:tc>
+                <a:tc>
+                  <a:txBody>
+                    <a:bodyPr/>
+                    <a:lstStyle/>
+                    <a:p>
+                      <a:r>
+                        <a:rPr lang="en-US" sz="1000" dirty="0"/>
+                        <a:t>0.1</a:t>
+                      </a:r>
+                      <a:endParaRPr lang="en-DE" sz="1000" dirty="0"/>
+                    </a:p>
+                  </a:txBody>
+                  <a:tcPr/>
+                </a:tc>
+                <a:tc>
+                  <a:txBody>
+                    <a:bodyPr/>
+                    <a:lstStyle/>
+                    <a:p>
+                      <a:r>
+                        <a:rPr lang="en-US" sz="1000"/>
+                        <a:t>0.2</a:t>
+                      </a:r>
+                      <a:endParaRPr lang="en-DE" sz="1000" dirty="0"/>
+                    </a:p>
+                  </a:txBody>
+                  <a:tcPr/>
+                </a:tc>
+                <a:tc>
+                  <a:txBody>
+                    <a:bodyPr/>
+                    <a:lstStyle/>
+                    <a:p>
+                      <a:r>
+                        <a:rPr lang="en-US" sz="1000" dirty="0"/>
+                        <a:t>0.7</a:t>
+                      </a:r>
+                      <a:endParaRPr lang="en-DE" sz="1000" dirty="0"/>
+                    </a:p>
+                  </a:txBody>
+                  <a:tcPr/>
+                </a:tc>
+                <a:extLst>
+                  <a:ext uri="{0D108BD9-81ED-4DB2-BD59-A6C34878D82A}">
+                    <a16:rowId xmlns:a16="http://schemas.microsoft.com/office/drawing/2014/main" val="2141495889"/>
+                  </a:ext>
+                </a:extLst>
+              </a:tr>
+            </a:tbl>
+          </a:graphicData>
+        </a:graphic>
+      </p:graphicFrame>
+    </p:spTree>
+    <p:extLst>
+      <p:ext uri="{BB962C8B-B14F-4D97-AF65-F5344CB8AC3E}">
+        <p14:creationId xmlns:p14="http://schemas.microsoft.com/office/powerpoint/2010/main" val="3251460139"/>
       </p:ext>
     </p:extLst>
   </p:cSld>
